--- a/GW7.pptx
+++ b/GW7.pptx
@@ -8579,7 +8579,11 @@
             </a:pPr>
             <a:r>
               <a:rPr lang="en"/>
-              <a:t>generation of tetraminos</a:t>
+              <a:t>generation of </a:t>
+            </a:r>
+            <a:r>
+              <a:rPr lang="en"/>
+              <a:t>tetraminos</a:t>
             </a:r>
             <a:endParaRPr/>
           </a:p>
@@ -8596,7 +8600,7 @@
             </a:pPr>
             <a:r>
               <a:rPr lang="en"/>
-              <a:t>Template patter</a:t>
+              <a:t>Template pattern</a:t>
             </a:r>
             <a:endParaRPr/>
           </a:p>
@@ -8717,7 +8721,7 @@
         </p:blipFill>
         <p:spPr>
           <a:xfrm>
-            <a:off x="1708038" y="1017725"/>
+            <a:off x="1708038" y="1017800"/>
             <a:ext cx="5727918" cy="3820975"/>
           </a:xfrm>
           <a:prstGeom prst="rect">
